--- a/RES/pageImg/图片.pptx
+++ b/RES/pageImg/图片.pptx
@@ -6,11 +6,12 @@
   </p:sldMasterIdLst>
   <p:sldIdLst>
     <p:sldId id="256" r:id="rId3"/>
+    <p:sldId id="257" r:id="rId4"/>
   </p:sldIdLst>
   <p:sldSz cx="12192000" cy="6858000"/>
   <p:notesSz cx="6858000" cy="9144000"/>
   <p:custDataLst>
-    <p:tags r:id="rId7"/>
+    <p:tags r:id="rId8"/>
   </p:custDataLst>
   <p:defaultTextStyle>
     <a:defPPr>
@@ -2910,6 +2911,19 @@
 <file path=ppt/slides/slide1.xml><?xml version="1.0" encoding="utf-8"?>
 <p:sld xmlns:a="http://schemas.openxmlformats.org/drawingml/2006/main" xmlns:r="http://schemas.openxmlformats.org/officeDocument/2006/relationships" xmlns:p="http://schemas.openxmlformats.org/presentationml/2006/main">
   <p:cSld>
+    <p:bg>
+      <p:bgPr>
+        <a:blipFill rotWithShape="1">
+          <a:blip r:embed="rId1">
+            <a:alphaModFix amt="36000"/>
+          </a:blip>
+          <a:stretch>
+            <a:fillRect/>
+          </a:stretch>
+        </a:blipFill>
+        <a:effectLst/>
+      </p:bgPr>
+    </p:bg>
     <p:spTree>
       <p:nvGrpSpPr>
         <p:cNvPr id="1" name=""/>
@@ -2927,32 +2941,279 @@
             <p:ph type="ctrTitle"/>
           </p:nvPr>
         </p:nvSpPr>
-        <p:spPr/>
-        <p:txBody>
-          <a:bodyPr/>
-          <a:p>
-            <a:endParaRPr lang="zh-CN" altLang="en-US"/>
-          </a:p>
-        </p:txBody>
-      </p:sp>
-      <p:sp>
-        <p:nvSpPr>
-          <p:cNvPr id="3" name="副标题 2"/>
-          <p:cNvSpPr>
-            <a:spLocks noGrp="1"/>
-          </p:cNvSpPr>
-          <p:nvPr>
-            <p:ph type="subTitle" idx="1"/>
-          </p:nvPr>
-        </p:nvSpPr>
-        <p:spPr/>
-        <p:txBody>
-          <a:bodyPr/>
-          <a:p>
-            <a:endParaRPr lang="zh-CN" altLang="en-US"/>
-          </a:p>
-        </p:txBody>
-      </p:sp>
+        <p:spPr>
+          <a:xfrm>
+            <a:off x="0" y="1851343"/>
+            <a:ext cx="9144000" cy="2387600"/>
+          </a:xfrm>
+        </p:spPr>
+        <p:txBody>
+          <a:bodyPr>
+            <a:noAutofit/>
+          </a:bodyPr>
+          <a:p>
+            <a:r>
+              <a:rPr lang="zh-CN" altLang="en-US" sz="16600" b="1">
+                <a:solidFill>
+                  <a:schemeClr val="tx1">
+                    <a:lumMod val="50000"/>
+                    <a:lumOff val="50000"/>
+                  </a:schemeClr>
+                </a:solidFill>
+                <a:latin typeface="华文琥珀" panose="02010800040101010101" charset="-122"/>
+                <a:ea typeface="华文琥珀" panose="02010800040101010101" charset="-122"/>
+              </a:rPr>
+              <a:t>广告位</a:t>
+            </a:r>
+            <a:endParaRPr lang="zh-CN" altLang="en-US" sz="16600" b="1">
+              <a:solidFill>
+                <a:schemeClr val="tx1">
+                  <a:lumMod val="50000"/>
+                  <a:lumOff val="50000"/>
+                </a:schemeClr>
+              </a:solidFill>
+              <a:latin typeface="华文琥珀" panose="02010800040101010101" charset="-122"/>
+              <a:ea typeface="华文琥珀" panose="02010800040101010101" charset="-122"/>
+            </a:endParaRPr>
+          </a:p>
+        </p:txBody>
+      </p:sp>
+    </p:spTree>
+  </p:cSld>
+  <p:clrMapOvr>
+    <a:masterClrMapping/>
+  </p:clrMapOvr>
+</p:sld>
+</file>
+
+<file path=ppt/slides/slide2.xml><?xml version="1.0" encoding="utf-8"?>
+<p:sld xmlns:a="http://schemas.openxmlformats.org/drawingml/2006/main" xmlns:r="http://schemas.openxmlformats.org/officeDocument/2006/relationships" xmlns:p="http://schemas.openxmlformats.org/presentationml/2006/main">
+  <p:cSld>
+    <p:bg>
+      <p:bgPr>
+        <a:gradFill rotWithShape="1">
+          <a:gsLst>
+            <a:gs pos="0">
+              <a:schemeClr val="accent1">
+                <a:lumMod val="0"/>
+                <a:lumOff val="100000"/>
+                <a:alpha val="50000"/>
+              </a:schemeClr>
+            </a:gs>
+            <a:gs pos="83000">
+              <a:schemeClr val="accent4">
+                <a:lumMod val="20000"/>
+                <a:lumOff val="80000"/>
+              </a:schemeClr>
+            </a:gs>
+          </a:gsLst>
+          <a:path path="shape">
+            <a:fillToRect l="50000" t="50000" r="50000" b="50000"/>
+          </a:path>
+          <a:tileRect/>
+        </a:gradFill>
+        <a:effectLst/>
+      </p:bgPr>
+    </p:bg>
+    <p:spTree>
+      <p:nvGrpSpPr>
+        <p:cNvPr id="1" name=""/>
+        <p:cNvGrpSpPr/>
+        <p:nvPr/>
+      </p:nvGrpSpPr>
+      <p:grpSpPr/>
+      <p:sp>
+        <p:nvSpPr>
+          <p:cNvPr id="6" name="圆角矩形 5"/>
+          <p:cNvSpPr/>
+          <p:nvPr/>
+        </p:nvSpPr>
+        <p:spPr>
+          <a:xfrm>
+            <a:off x="8293100" y="1301750"/>
+            <a:ext cx="2480945" cy="4415790"/>
+          </a:xfrm>
+          <a:prstGeom prst="roundRect">
+            <a:avLst/>
+          </a:prstGeom>
+          <a:solidFill>
+            <a:schemeClr val="bg1"/>
+          </a:solidFill>
+        </p:spPr>
+        <p:style>
+          <a:lnRef idx="2">
+            <a:schemeClr val="accent1">
+              <a:lumMod val="75000"/>
+            </a:schemeClr>
+          </a:lnRef>
+          <a:fillRef idx="1">
+            <a:schemeClr val="accent1"/>
+          </a:fillRef>
+          <a:effectRef idx="0">
+            <a:srgbClr val="FFFFFF"/>
+          </a:effectRef>
+          <a:fontRef idx="minor">
+            <a:schemeClr val="lt1"/>
+          </a:fontRef>
+        </p:style>
+        <p:txBody>
+          <a:bodyPr rtlCol="0" anchor="ctr"/>
+          <a:p>
+            <a:pPr algn="ctr"/>
+            <a:endParaRPr lang="zh-CN" altLang="en-US"/>
+          </a:p>
+        </p:txBody>
+      </p:sp>
+      <p:sp>
+        <p:nvSpPr>
+          <p:cNvPr id="3" name="内容占位符 2"/>
+          <p:cNvSpPr>
+            <a:spLocks noGrp="1"/>
+          </p:cNvSpPr>
+          <p:nvPr>
+            <p:ph idx="1"/>
+          </p:nvPr>
+        </p:nvSpPr>
+        <p:spPr>
+          <a:xfrm>
+            <a:off x="611505" y="1777365"/>
+            <a:ext cx="7797165" cy="1862455"/>
+          </a:xfrm>
+        </p:spPr>
+        <p:txBody>
+          <a:bodyPr>
+            <a:noAutofit/>
+          </a:bodyPr>
+          <a:p>
+            <a:pPr marL="0" indent="0">
+              <a:buNone/>
+            </a:pPr>
+            <a:r>
+              <a:rPr lang="zh-CN" altLang="en-US" sz="8800" b="1">
+                <a:latin typeface="方正姚体" panose="02010601030101010101" charset="-122"/>
+                <a:ea typeface="方正姚体" panose="02010601030101010101" charset="-122"/>
+              </a:rPr>
+              <a:t>爱购二手交易</a:t>
+            </a:r>
+            <a:endParaRPr lang="zh-CN" altLang="en-US" sz="8800" b="1">
+              <a:latin typeface="方正姚体" panose="02010601030101010101" charset="-122"/>
+              <a:ea typeface="方正姚体" panose="02010601030101010101" charset="-122"/>
+            </a:endParaRPr>
+          </a:p>
+          <a:p>
+            <a:pPr marL="0" indent="0">
+              <a:buNone/>
+            </a:pPr>
+            <a:endParaRPr lang="zh-CN" altLang="en-US" sz="3200" b="1">
+              <a:latin typeface="方正姚体" panose="02010601030101010101" charset="-122"/>
+              <a:ea typeface="方正姚体" panose="02010601030101010101" charset="-122"/>
+            </a:endParaRPr>
+          </a:p>
+          <a:p>
+            <a:pPr marL="0" indent="0">
+              <a:buNone/>
+            </a:pPr>
+            <a:endParaRPr lang="zh-CN" altLang="en-US" sz="3200" b="1">
+              <a:latin typeface="方正姚体" panose="02010601030101010101" charset="-122"/>
+              <a:ea typeface="方正姚体" panose="02010601030101010101" charset="-122"/>
+            </a:endParaRPr>
+          </a:p>
+        </p:txBody>
+      </p:sp>
+      <p:sp>
+        <p:nvSpPr>
+          <p:cNvPr id="4" name="文本框 3"/>
+          <p:cNvSpPr txBox="1"/>
+          <p:nvPr/>
+        </p:nvSpPr>
+        <p:spPr>
+          <a:xfrm>
+            <a:off x="2268855" y="4031615"/>
+            <a:ext cx="4951730" cy="1753235"/>
+          </a:xfrm>
+          <a:prstGeom prst="rect">
+            <a:avLst/>
+          </a:prstGeom>
+          <a:noFill/>
+        </p:spPr>
+        <p:txBody>
+          <a:bodyPr wrap="square" rtlCol="0">
+            <a:spAutoFit/>
+          </a:bodyPr>
+          <a:p>
+            <a:r>
+              <a:rPr lang="en-US" altLang="zh-CN" sz="5400">
+                <a:solidFill>
+                  <a:schemeClr val="tx1">
+                    <a:lumMod val="50000"/>
+                    <a:lumOff val="50000"/>
+                  </a:schemeClr>
+                </a:solidFill>
+                <a:sym typeface="+mn-ea"/>
+              </a:rPr>
+              <a:t>        </a:t>
+            </a:r>
+            <a:r>
+              <a:rPr lang="zh-CN" altLang="en-US" sz="5400">
+                <a:solidFill>
+                  <a:schemeClr val="tx1">
+                    <a:lumMod val="50000"/>
+                    <a:lumOff val="50000"/>
+                  </a:schemeClr>
+                </a:solidFill>
+                <a:sym typeface="+mn-ea"/>
+              </a:rPr>
+              <a:t>使用指南</a:t>
+            </a:r>
+            <a:endParaRPr lang="zh-CN" altLang="en-US" sz="5400">
+              <a:solidFill>
+                <a:schemeClr val="tx1">
+                  <a:lumMod val="50000"/>
+                  <a:lumOff val="50000"/>
+                </a:schemeClr>
+              </a:solidFill>
+            </a:endParaRPr>
+          </a:p>
+          <a:p>
+            <a:endParaRPr lang="zh-CN" altLang="en-US" sz="5400">
+              <a:solidFill>
+                <a:schemeClr val="tx1">
+                  <a:lumMod val="50000"/>
+                  <a:lumOff val="50000"/>
+                </a:schemeClr>
+              </a:solidFill>
+            </a:endParaRPr>
+          </a:p>
+        </p:txBody>
+      </p:sp>
+      <p:pic>
+        <p:nvPicPr>
+          <p:cNvPr id="7" name="图片 6"/>
+          <p:cNvPicPr>
+            <a:picLocks noChangeAspect="1"/>
+          </p:cNvPicPr>
+          <p:nvPr>
+            <p:custDataLst>
+              <p:tags r:id="rId1"/>
+            </p:custDataLst>
+          </p:nvPr>
+        </p:nvPicPr>
+        <p:blipFill>
+          <a:blip r:embed="rId2"/>
+          <a:stretch>
+            <a:fillRect/>
+          </a:stretch>
+        </p:blipFill>
+        <p:spPr>
+          <a:xfrm>
+            <a:off x="8642985" y="1604645"/>
+            <a:ext cx="1781810" cy="3582670"/>
+          </a:xfrm>
+          <a:prstGeom prst="roundRect">
+            <a:avLst/>
+          </a:prstGeom>
+        </p:spPr>
+      </p:pic>
     </p:spTree>
   </p:cSld>
   <p:clrMapOvr>
@@ -2962,6 +3223,12 @@
 </file>
 
 <file path=ppt/tags/tag1.xml><?xml version="1.0" encoding="utf-8"?>
+<p:tagLst xmlns:p="http://schemas.openxmlformats.org/presentationml/2006/main">
+  <p:tag name="KSO_WM_BEAUTIFY_FLAG" val=""/>
+</p:tagLst>
+</file>
+
+<file path=ppt/tags/tag2.xml><?xml version="1.0" encoding="utf-8"?>
 <p:tagLst xmlns:p="http://schemas.openxmlformats.org/presentationml/2006/main">
   <p:tag name="commondata" val="eyJoZGlkIjoiMWUwM2M0YTEyMWNkODhlODVmNGRhNDg3YjM2NWI0MjIifQ=="/>
 </p:tagLst>
